--- a/Documents/Powerpoints/3.0 FileIO.pptx
+++ b/Documents/Powerpoints/3.0 FileIO.pptx
@@ -5,21 +5,24 @@
     <p:sldMasterId id="2147483666" r:id="rId1"/>
   </p:sldMasterIdLst>
   <p:notesMasterIdLst>
-    <p:notesMasterId r:id="rId7"/>
+    <p:notesMasterId r:id="rId10"/>
   </p:notesMasterIdLst>
   <p:sldIdLst>
     <p:sldId id="256" r:id="rId2"/>
     <p:sldId id="257" r:id="rId3"/>
     <p:sldId id="258" r:id="rId4"/>
-    <p:sldId id="259" r:id="rId5"/>
-    <p:sldId id="260" r:id="rId6"/>
+    <p:sldId id="262" r:id="rId5"/>
+    <p:sldId id="259" r:id="rId6"/>
+    <p:sldId id="260" r:id="rId7"/>
+    <p:sldId id="261" r:id="rId8"/>
+    <p:sldId id="263" r:id="rId9"/>
   </p:sldIdLst>
   <p:sldSz cx="9144000" cy="5143500" type="screen16x9"/>
   <p:notesSz cx="6858000" cy="9144000"/>
   <p:embeddedFontLst>
     <p:embeddedFont>
       <p:font typeface="Lustria" panose="020B0604020202020204" charset="0"/>
-      <p:regular r:id="rId8"/>
+      <p:regular r:id="rId11"/>
     </p:embeddedFont>
   </p:embeddedFontLst>
   <p:defaultTextStyle>
@@ -23195,6 +23198,107 @@
           <p:cNvPr id="2" name="Title 1">
             <a:extLst>
               <a:ext uri="{FF2B5EF4-FFF2-40B4-BE49-F238E27FC236}">
+                <a16:creationId xmlns:a16="http://schemas.microsoft.com/office/drawing/2014/main" id="{879FD6B3-8084-4568-8D28-EC547E83AF3A}"/>
+              </a:ext>
+            </a:extLst>
+          </p:cNvPr>
+          <p:cNvSpPr>
+            <a:spLocks noGrp="1"/>
+          </p:cNvSpPr>
+          <p:nvPr>
+            <p:ph type="title"/>
+          </p:nvPr>
+        </p:nvSpPr>
+        <p:spPr/>
+        <p:txBody>
+          <a:bodyPr/>
+          <a:lstStyle/>
+          <a:p>
+            <a:r>
+              <a:rPr lang="en-US" dirty="0"/>
+              <a:t>Warning</a:t>
+            </a:r>
+          </a:p>
+        </p:txBody>
+      </p:sp>
+      <p:sp>
+        <p:nvSpPr>
+          <p:cNvPr id="3" name="Text Placeholder 2">
+            <a:extLst>
+              <a:ext uri="{FF2B5EF4-FFF2-40B4-BE49-F238E27FC236}">
+                <a16:creationId xmlns:a16="http://schemas.microsoft.com/office/drawing/2014/main" id="{EF8AC02F-D282-4A55-85A1-24A6A20ADC1F}"/>
+              </a:ext>
+            </a:extLst>
+          </p:cNvPr>
+          <p:cNvSpPr>
+            <a:spLocks noGrp="1"/>
+          </p:cNvSpPr>
+          <p:nvPr>
+            <p:ph type="body" idx="1"/>
+          </p:nvPr>
+        </p:nvSpPr>
+        <p:spPr/>
+        <p:txBody>
+          <a:bodyPr/>
+          <a:lstStyle/>
+          <a:p>
+            <a:r>
+              <a:rPr lang="en-US" dirty="0"/>
+              <a:t>The most common error that you will encounter says that…</a:t>
+            </a:r>
+          </a:p>
+          <a:p>
+            <a:r>
+              <a:rPr lang="en-US" dirty="0"/>
+              <a:t>“blah blah does not exist in current context”</a:t>
+            </a:r>
+          </a:p>
+          <a:p>
+            <a:endParaRPr lang="en-US" dirty="0"/>
+          </a:p>
+          <a:p>
+            <a:r>
+              <a:rPr lang="en-US" dirty="0"/>
+              <a:t>Using system.io</a:t>
+            </a:r>
+          </a:p>
+        </p:txBody>
+      </p:sp>
+    </p:spTree>
+    <p:extLst>
+      <p:ext uri="{BB962C8B-B14F-4D97-AF65-F5344CB8AC3E}">
+        <p14:creationId xmlns:p14="http://schemas.microsoft.com/office/powerpoint/2010/main" val="3683336264"/>
+      </p:ext>
+    </p:extLst>
+  </p:cSld>
+  <p:clrMapOvr>
+    <a:masterClrMapping/>
+  </p:clrMapOvr>
+</p:sld>
+</file>
+
+<file path=ppt/slides/slide5.xml><?xml version="1.0" encoding="utf-8"?>
+<p:sld xmlns:a="http://schemas.openxmlformats.org/drawingml/2006/main" xmlns:r="http://schemas.openxmlformats.org/officeDocument/2006/relationships" xmlns:p="http://schemas.openxmlformats.org/presentationml/2006/main">
+  <p:cSld>
+    <p:spTree>
+      <p:nvGrpSpPr>
+        <p:cNvPr id="1" name=""/>
+        <p:cNvGrpSpPr/>
+        <p:nvPr/>
+      </p:nvGrpSpPr>
+      <p:grpSpPr>
+        <a:xfrm>
+          <a:off x="0" y="0"/>
+          <a:ext cx="0" cy="0"/>
+          <a:chOff x="0" y="0"/>
+          <a:chExt cx="0" cy="0"/>
+        </a:xfrm>
+      </p:grpSpPr>
+      <p:sp>
+        <p:nvSpPr>
+          <p:cNvPr id="2" name="Title 1">
+            <a:extLst>
+              <a:ext uri="{FF2B5EF4-FFF2-40B4-BE49-F238E27FC236}">
                 <a16:creationId xmlns:a16="http://schemas.microsoft.com/office/drawing/2014/main" id="{6759892F-61DF-491A-B9F0-0602607F3475}"/>
               </a:ext>
             </a:extLst>
@@ -23273,7 +23377,7 @@
 </p:sld>
 </file>
 
-<file path=ppt/slides/slide5.xml><?xml version="1.0" encoding="utf-8"?>
+<file path=ppt/slides/slide6.xml><?xml version="1.0" encoding="utf-8"?>
 <p:sld xmlns:a="http://schemas.openxmlformats.org/drawingml/2006/main" xmlns:r="http://schemas.openxmlformats.org/officeDocument/2006/relationships" xmlns:p="http://schemas.openxmlformats.org/presentationml/2006/main">
   <p:cSld>
     <p:spTree>
@@ -23364,6 +23468,215 @@
     <p:extLst>
       <p:ext uri="{BB962C8B-B14F-4D97-AF65-F5344CB8AC3E}">
         <p14:creationId xmlns:p14="http://schemas.microsoft.com/office/powerpoint/2010/main" val="591092030"/>
+      </p:ext>
+    </p:extLst>
+  </p:cSld>
+  <p:clrMapOvr>
+    <a:masterClrMapping/>
+  </p:clrMapOvr>
+</p:sld>
+</file>
+
+<file path=ppt/slides/slide7.xml><?xml version="1.0" encoding="utf-8"?>
+<p:sld xmlns:a="http://schemas.openxmlformats.org/drawingml/2006/main" xmlns:r="http://schemas.openxmlformats.org/officeDocument/2006/relationships" xmlns:p="http://schemas.openxmlformats.org/presentationml/2006/main">
+  <p:cSld>
+    <p:spTree>
+      <p:nvGrpSpPr>
+        <p:cNvPr id="1" name=""/>
+        <p:cNvGrpSpPr/>
+        <p:nvPr/>
+      </p:nvGrpSpPr>
+      <p:grpSpPr>
+        <a:xfrm>
+          <a:off x="0" y="0"/>
+          <a:ext cx="0" cy="0"/>
+          <a:chOff x="0" y="0"/>
+          <a:chExt cx="0" cy="0"/>
+        </a:xfrm>
+      </p:grpSpPr>
+      <p:sp>
+        <p:nvSpPr>
+          <p:cNvPr id="2" name="Title 1">
+            <a:extLst>
+              <a:ext uri="{FF2B5EF4-FFF2-40B4-BE49-F238E27FC236}">
+                <a16:creationId xmlns:a16="http://schemas.microsoft.com/office/drawing/2014/main" id="{0E1590BB-6BE8-42F7-83DE-E6CE8BBF6439}"/>
+              </a:ext>
+            </a:extLst>
+          </p:cNvPr>
+          <p:cNvSpPr>
+            <a:spLocks noGrp="1"/>
+          </p:cNvSpPr>
+          <p:nvPr>
+            <p:ph type="title"/>
+          </p:nvPr>
+        </p:nvSpPr>
+        <p:spPr/>
+        <p:txBody>
+          <a:bodyPr/>
+          <a:lstStyle/>
+          <a:p>
+            <a:r>
+              <a:rPr lang="en-US" dirty="0"/>
+              <a:t>Many Other Ways</a:t>
+            </a:r>
+          </a:p>
+        </p:txBody>
+      </p:sp>
+      <p:sp>
+        <p:nvSpPr>
+          <p:cNvPr id="3" name="Text Placeholder 2">
+            <a:extLst>
+              <a:ext uri="{FF2B5EF4-FFF2-40B4-BE49-F238E27FC236}">
+                <a16:creationId xmlns:a16="http://schemas.microsoft.com/office/drawing/2014/main" id="{B9E46704-E451-4D52-BEC8-C95DC93664D5}"/>
+              </a:ext>
+            </a:extLst>
+          </p:cNvPr>
+          <p:cNvSpPr>
+            <a:spLocks noGrp="1"/>
+          </p:cNvSpPr>
+          <p:nvPr>
+            <p:ph type="body" idx="1"/>
+          </p:nvPr>
+        </p:nvSpPr>
+        <p:spPr/>
+        <p:txBody>
+          <a:bodyPr/>
+          <a:lstStyle/>
+          <a:p>
+            <a:r>
+              <a:rPr lang="en-US" dirty="0">
+                <a:hlinkClick r:id="rId2"/>
+              </a:rPr>
+              <a:t>https://docs.microsoft.com/en-us/dotnet/standard/io/</a:t>
+            </a:r>
+            <a:endParaRPr lang="en-US" dirty="0"/>
+          </a:p>
+          <a:p>
+            <a:r>
+              <a:rPr lang="en-US" dirty="0"/>
+              <a:t>For the scope of this class we will only be talking about a small portion of .NETs </a:t>
+            </a:r>
+            <a:r>
+              <a:rPr lang="en-US" dirty="0" err="1"/>
+              <a:t>FileIO</a:t>
+            </a:r>
+            <a:r>
+              <a:rPr lang="en-US" dirty="0"/>
+              <a:t>.</a:t>
+            </a:r>
+          </a:p>
+          <a:p>
+            <a:r>
+              <a:rPr lang="en-US" dirty="0"/>
+              <a:t>Thankfully, we can do a ton of powerful stuff with just the few bits we will discuss.</a:t>
+            </a:r>
+          </a:p>
+        </p:txBody>
+      </p:sp>
+    </p:spTree>
+    <p:extLst>
+      <p:ext uri="{BB962C8B-B14F-4D97-AF65-F5344CB8AC3E}">
+        <p14:creationId xmlns:p14="http://schemas.microsoft.com/office/powerpoint/2010/main" val="3990483600"/>
+      </p:ext>
+    </p:extLst>
+  </p:cSld>
+  <p:clrMapOvr>
+    <a:masterClrMapping/>
+  </p:clrMapOvr>
+</p:sld>
+</file>
+
+<file path=ppt/slides/slide8.xml><?xml version="1.0" encoding="utf-8"?>
+<p:sld xmlns:a="http://schemas.openxmlformats.org/drawingml/2006/main" xmlns:r="http://schemas.openxmlformats.org/officeDocument/2006/relationships" xmlns:p="http://schemas.openxmlformats.org/presentationml/2006/main">
+  <p:cSld>
+    <p:spTree>
+      <p:nvGrpSpPr>
+        <p:cNvPr id="1" name=""/>
+        <p:cNvGrpSpPr/>
+        <p:nvPr/>
+      </p:nvGrpSpPr>
+      <p:grpSpPr>
+        <a:xfrm>
+          <a:off x="0" y="0"/>
+          <a:ext cx="0" cy="0"/>
+          <a:chOff x="0" y="0"/>
+          <a:chExt cx="0" cy="0"/>
+        </a:xfrm>
+      </p:grpSpPr>
+      <p:sp>
+        <p:nvSpPr>
+          <p:cNvPr id="2" name="Title 1">
+            <a:extLst>
+              <a:ext uri="{FF2B5EF4-FFF2-40B4-BE49-F238E27FC236}">
+                <a16:creationId xmlns:a16="http://schemas.microsoft.com/office/drawing/2014/main" id="{196AE8AD-6EC1-4ECB-B324-917361D99514}"/>
+              </a:ext>
+            </a:extLst>
+          </p:cNvPr>
+          <p:cNvSpPr>
+            <a:spLocks noGrp="1"/>
+          </p:cNvSpPr>
+          <p:nvPr>
+            <p:ph type="title"/>
+          </p:nvPr>
+        </p:nvSpPr>
+        <p:spPr/>
+        <p:txBody>
+          <a:bodyPr/>
+          <a:lstStyle/>
+          <a:p>
+            <a:r>
+              <a:rPr lang="en-US" dirty="0"/>
+              <a:t>Lab</a:t>
+            </a:r>
+          </a:p>
+        </p:txBody>
+      </p:sp>
+      <p:sp>
+        <p:nvSpPr>
+          <p:cNvPr id="3" name="Text Placeholder 2">
+            <a:extLst>
+              <a:ext uri="{FF2B5EF4-FFF2-40B4-BE49-F238E27FC236}">
+                <a16:creationId xmlns:a16="http://schemas.microsoft.com/office/drawing/2014/main" id="{6E93473F-69BC-4554-9952-D144400ECE2B}"/>
+              </a:ext>
+            </a:extLst>
+          </p:cNvPr>
+          <p:cNvSpPr>
+            <a:spLocks noGrp="1"/>
+          </p:cNvSpPr>
+          <p:nvPr>
+            <p:ph type="body" idx="1"/>
+          </p:nvPr>
+        </p:nvSpPr>
+        <p:spPr/>
+        <p:txBody>
+          <a:bodyPr/>
+          <a:lstStyle/>
+          <a:p>
+            <a:r>
+              <a:rPr lang="en-US" dirty="0"/>
+              <a:t>On canvas there is a zip file containing a fairly interesting folder structure with a single file hidden inside.</a:t>
+            </a:r>
+          </a:p>
+          <a:p>
+            <a:r>
+              <a:rPr lang="en-US" dirty="0"/>
+              <a:t>Your objective is to use file </a:t>
+            </a:r>
+            <a:r>
+              <a:rPr lang="en-US" dirty="0" err="1"/>
+              <a:t>io</a:t>
+            </a:r>
+            <a:r>
+              <a:rPr lang="en-US" dirty="0"/>
+              <a:t> and recursion to find the path of the file.</a:t>
+            </a:r>
+          </a:p>
+        </p:txBody>
+      </p:sp>
+    </p:spTree>
+    <p:extLst>
+      <p:ext uri="{BB962C8B-B14F-4D97-AF65-F5344CB8AC3E}">
+        <p14:creationId xmlns:p14="http://schemas.microsoft.com/office/powerpoint/2010/main" val="1485592930"/>
       </p:ext>
     </p:extLst>
   </p:cSld>

--- a/Documents/Powerpoints/3.0 FileIO.pptx
+++ b/Documents/Powerpoints/3.0 FileIO.pptx
@@ -5,24 +5,25 @@
     <p:sldMasterId id="2147483666" r:id="rId1"/>
   </p:sldMasterIdLst>
   <p:notesMasterIdLst>
-    <p:notesMasterId r:id="rId10"/>
+    <p:notesMasterId r:id="rId11"/>
   </p:notesMasterIdLst>
   <p:sldIdLst>
     <p:sldId id="256" r:id="rId2"/>
     <p:sldId id="257" r:id="rId3"/>
     <p:sldId id="258" r:id="rId4"/>
     <p:sldId id="262" r:id="rId5"/>
-    <p:sldId id="259" r:id="rId6"/>
-    <p:sldId id="260" r:id="rId7"/>
-    <p:sldId id="261" r:id="rId8"/>
+    <p:sldId id="264" r:id="rId6"/>
+    <p:sldId id="259" r:id="rId7"/>
+    <p:sldId id="260" r:id="rId8"/>
     <p:sldId id="263" r:id="rId9"/>
+    <p:sldId id="261" r:id="rId10"/>
   </p:sldIdLst>
   <p:sldSz cx="9144000" cy="5143500" type="screen16x9"/>
   <p:notesSz cx="6858000" cy="9144000"/>
   <p:embeddedFontLst>
     <p:embeddedFont>
       <p:font typeface="Lustria" panose="020B0604020202020204" charset="0"/>
-      <p:regular r:id="rId11"/>
+      <p:regular r:id="rId12"/>
     </p:embeddedFont>
   </p:embeddedFontLst>
   <p:defaultTextStyle>
@@ -23158,7 +23159,7 @@
             <a:pPr lvl="1"/>
             <a:r>
               <a:rPr lang="en-US" dirty="0"/>
-              <a:t>This is a great way to practice</a:t>
+              <a:t>This is a great way to practice parsing data</a:t>
             </a:r>
           </a:p>
         </p:txBody>
@@ -23250,8 +23251,13 @@
           <a:p>
             <a:r>
               <a:rPr lang="en-US" dirty="0"/>
-              <a:t>“blah blah does not exist in current context”</a:t>
+              <a:t>“The type </a:t>
             </a:r>
+            <a:r>
+              <a:rPr lang="en-US"/>
+              <a:t>or namespace could not be found……….”</a:t>
+            </a:r>
+            <a:endParaRPr lang="en-US" dirty="0"/>
           </a:p>
           <a:p>
             <a:endParaRPr lang="en-US" dirty="0"/>
@@ -23259,7 +23265,7 @@
           <a:p>
             <a:r>
               <a:rPr lang="en-US" dirty="0"/>
-              <a:t>Using system.io</a:t>
+              <a:t>using System.IO;</a:t>
             </a:r>
           </a:p>
         </p:txBody>
@@ -23278,6 +23284,153 @@
 </file>
 
 <file path=ppt/slides/slide5.xml><?xml version="1.0" encoding="utf-8"?>
+<p:sld xmlns:a="http://schemas.openxmlformats.org/drawingml/2006/main" xmlns:r="http://schemas.openxmlformats.org/officeDocument/2006/relationships" xmlns:p="http://schemas.openxmlformats.org/presentationml/2006/main">
+  <p:cSld>
+    <p:spTree>
+      <p:nvGrpSpPr>
+        <p:cNvPr id="1" name=""/>
+        <p:cNvGrpSpPr/>
+        <p:nvPr/>
+      </p:nvGrpSpPr>
+      <p:grpSpPr>
+        <a:xfrm>
+          <a:off x="0" y="0"/>
+          <a:ext cx="0" cy="0"/>
+          <a:chOff x="0" y="0"/>
+          <a:chExt cx="0" cy="0"/>
+        </a:xfrm>
+      </p:grpSpPr>
+      <p:sp>
+        <p:nvSpPr>
+          <p:cNvPr id="2" name="Title 1">
+            <a:extLst>
+              <a:ext uri="{FF2B5EF4-FFF2-40B4-BE49-F238E27FC236}">
+                <a16:creationId xmlns:a16="http://schemas.microsoft.com/office/drawing/2014/main" id="{B572C53E-2F4C-42E5-9234-DE669686ED80}"/>
+              </a:ext>
+            </a:extLst>
+          </p:cNvPr>
+          <p:cNvSpPr>
+            <a:spLocks noGrp="1"/>
+          </p:cNvSpPr>
+          <p:nvPr>
+            <p:ph type="title"/>
+          </p:nvPr>
+        </p:nvSpPr>
+        <p:spPr/>
+        <p:txBody>
+          <a:bodyPr/>
+          <a:lstStyle/>
+          <a:p>
+            <a:r>
+              <a:rPr lang="en-US" dirty="0"/>
+              <a:t>Before we start</a:t>
+            </a:r>
+          </a:p>
+        </p:txBody>
+      </p:sp>
+      <p:sp>
+        <p:nvSpPr>
+          <p:cNvPr id="3" name="Text Placeholder 2">
+            <a:extLst>
+              <a:ext uri="{FF2B5EF4-FFF2-40B4-BE49-F238E27FC236}">
+                <a16:creationId xmlns:a16="http://schemas.microsoft.com/office/drawing/2014/main" id="{6DA345ED-ED51-454A-B279-4E822A24538B}"/>
+              </a:ext>
+            </a:extLst>
+          </p:cNvPr>
+          <p:cNvSpPr>
+            <a:spLocks noGrp="1"/>
+          </p:cNvSpPr>
+          <p:nvPr>
+            <p:ph type="body" idx="1"/>
+          </p:nvPr>
+        </p:nvSpPr>
+        <p:spPr>
+          <a:xfrm>
+            <a:off x="685346" y="1914545"/>
+            <a:ext cx="7765200" cy="2428893"/>
+          </a:xfrm>
+        </p:spPr>
+        <p:txBody>
+          <a:bodyPr/>
+          <a:lstStyle/>
+          <a:p>
+            <a:r>
+              <a:rPr lang="en-US" dirty="0"/>
+              <a:t>The above code is incredibly important.</a:t>
+            </a:r>
+          </a:p>
+          <a:p>
+            <a:r>
+              <a:rPr lang="en-US" dirty="0" err="1"/>
+              <a:t>AppDomain.CurrentDomain.BaseDirectory</a:t>
+            </a:r>
+            <a:r>
+              <a:rPr lang="en-US" dirty="0"/>
+              <a:t> gives the path to the executable of your program.</a:t>
+            </a:r>
+          </a:p>
+          <a:p>
+            <a:endParaRPr lang="en-US" dirty="0"/>
+          </a:p>
+          <a:p>
+            <a:r>
+              <a:rPr lang="en-US" dirty="0"/>
+              <a:t>DON’T HARDCODE PATHS!!!</a:t>
+            </a:r>
+          </a:p>
+          <a:p>
+            <a:pPr lvl="1"/>
+            <a:r>
+              <a:rPr lang="en-US" dirty="0"/>
+              <a:t>It won’t run on my machine because I have different paths than you!</a:t>
+            </a:r>
+          </a:p>
+        </p:txBody>
+      </p:sp>
+      <p:pic>
+        <p:nvPicPr>
+          <p:cNvPr id="4" name="Picture 3">
+            <a:extLst>
+              <a:ext uri="{FF2B5EF4-FFF2-40B4-BE49-F238E27FC236}">
+                <a16:creationId xmlns:a16="http://schemas.microsoft.com/office/drawing/2014/main" id="{6139165C-F0B6-4768-B58F-504043A5F70F}"/>
+              </a:ext>
+            </a:extLst>
+          </p:cNvPr>
+          <p:cNvPicPr>
+            <a:picLocks noChangeAspect="1"/>
+          </p:cNvPicPr>
+          <p:nvPr/>
+        </p:nvPicPr>
+        <p:blipFill>
+          <a:blip r:embed="rId2"/>
+          <a:stretch>
+            <a:fillRect/>
+          </a:stretch>
+        </p:blipFill>
+        <p:spPr>
+          <a:xfrm>
+            <a:off x="1596146" y="1287835"/>
+            <a:ext cx="5943600" cy="523875"/>
+          </a:xfrm>
+          <a:prstGeom prst="rect">
+            <a:avLst/>
+          </a:prstGeom>
+        </p:spPr>
+      </p:pic>
+    </p:spTree>
+    <p:extLst>
+      <p:ext uri="{BB962C8B-B14F-4D97-AF65-F5344CB8AC3E}">
+        <p14:creationId xmlns:p14="http://schemas.microsoft.com/office/powerpoint/2010/main" val="4176792772"/>
+      </p:ext>
+    </p:extLst>
+  </p:cSld>
+  <p:clrMapOvr>
+    <a:masterClrMapping/>
+  </p:clrMapOvr>
+</p:sld>
+</file>
+
+<file path=ppt/slides/slide6.xml><?xml version="1.0" encoding="utf-8"?>
 <p:sld xmlns:a="http://schemas.openxmlformats.org/drawingml/2006/main" xmlns:r="http://schemas.openxmlformats.org/officeDocument/2006/relationships" xmlns:p="http://schemas.openxmlformats.org/presentationml/2006/main">
   <p:cSld>
     <p:spTree>
@@ -23377,7 +23530,7 @@
 </p:sld>
 </file>
 
-<file path=ppt/slides/slide6.xml><?xml version="1.0" encoding="utf-8"?>
+<file path=ppt/slides/slide7.xml><?xml version="1.0" encoding="utf-8"?>
 <p:sld xmlns:a="http://schemas.openxmlformats.org/drawingml/2006/main" xmlns:r="http://schemas.openxmlformats.org/officeDocument/2006/relationships" xmlns:p="http://schemas.openxmlformats.org/presentationml/2006/main">
   <p:cSld>
     <p:spTree>
@@ -23477,7 +23630,185 @@
 </p:sld>
 </file>
 
-<file path=ppt/slides/slide7.xml><?xml version="1.0" encoding="utf-8"?>
+<file path=ppt/slides/slide8.xml><?xml version="1.0" encoding="utf-8"?>
+<p:sld xmlns:a="http://schemas.openxmlformats.org/drawingml/2006/main" xmlns:r="http://schemas.openxmlformats.org/officeDocument/2006/relationships" xmlns:p="http://schemas.openxmlformats.org/presentationml/2006/main">
+  <p:cSld>
+    <p:spTree>
+      <p:nvGrpSpPr>
+        <p:cNvPr id="1" name=""/>
+        <p:cNvGrpSpPr/>
+        <p:nvPr/>
+      </p:nvGrpSpPr>
+      <p:grpSpPr>
+        <a:xfrm>
+          <a:off x="0" y="0"/>
+          <a:ext cx="0" cy="0"/>
+          <a:chOff x="0" y="0"/>
+          <a:chExt cx="0" cy="0"/>
+        </a:xfrm>
+      </p:grpSpPr>
+      <p:sp>
+        <p:nvSpPr>
+          <p:cNvPr id="2" name="Title 1">
+            <a:extLst>
+              <a:ext uri="{FF2B5EF4-FFF2-40B4-BE49-F238E27FC236}">
+                <a16:creationId xmlns:a16="http://schemas.microsoft.com/office/drawing/2014/main" id="{8211EB95-D215-496E-A7A9-56394BBB89F9}"/>
+              </a:ext>
+            </a:extLst>
+          </p:cNvPr>
+          <p:cNvSpPr>
+            <a:spLocks noGrp="1"/>
+          </p:cNvSpPr>
+          <p:nvPr>
+            <p:ph type="title"/>
+          </p:nvPr>
+        </p:nvSpPr>
+        <p:spPr/>
+        <p:txBody>
+          <a:bodyPr/>
+          <a:lstStyle/>
+          <a:p>
+            <a:r>
+              <a:rPr lang="en-US" dirty="0"/>
+              <a:t>Searching for Files</a:t>
+            </a:r>
+          </a:p>
+        </p:txBody>
+      </p:sp>
+      <p:pic>
+        <p:nvPicPr>
+          <p:cNvPr id="4" name="Picture 3">
+            <a:extLst>
+              <a:ext uri="{FF2B5EF4-FFF2-40B4-BE49-F238E27FC236}">
+                <a16:creationId xmlns:a16="http://schemas.microsoft.com/office/drawing/2014/main" id="{8CED7238-F173-40B5-85C0-7DA189737145}"/>
+              </a:ext>
+            </a:extLst>
+          </p:cNvPr>
+          <p:cNvPicPr>
+            <a:picLocks noChangeAspect="1"/>
+          </p:cNvPicPr>
+          <p:nvPr/>
+        </p:nvPicPr>
+        <p:blipFill>
+          <a:blip r:embed="rId2"/>
+          <a:stretch>
+            <a:fillRect/>
+          </a:stretch>
+        </p:blipFill>
+        <p:spPr>
+          <a:xfrm>
+            <a:off x="1496133" y="1302963"/>
+            <a:ext cx="6143625" cy="238125"/>
+          </a:xfrm>
+          <a:prstGeom prst="rect">
+            <a:avLst/>
+          </a:prstGeom>
+        </p:spPr>
+      </p:pic>
+      <p:pic>
+        <p:nvPicPr>
+          <p:cNvPr id="5" name="Picture 4">
+            <a:extLst>
+              <a:ext uri="{FF2B5EF4-FFF2-40B4-BE49-F238E27FC236}">
+                <a16:creationId xmlns:a16="http://schemas.microsoft.com/office/drawing/2014/main" id="{AB6A5EAC-D471-44EA-A237-7E6D48EDA836}"/>
+              </a:ext>
+            </a:extLst>
+          </p:cNvPr>
+          <p:cNvPicPr>
+            <a:picLocks noChangeAspect="1"/>
+          </p:cNvPicPr>
+          <p:nvPr/>
+        </p:nvPicPr>
+        <p:blipFill>
+          <a:blip r:embed="rId3"/>
+          <a:stretch>
+            <a:fillRect/>
+          </a:stretch>
+        </p:blipFill>
+        <p:spPr>
+          <a:xfrm>
+            <a:off x="1558045" y="1802466"/>
+            <a:ext cx="6019800" cy="247650"/>
+          </a:xfrm>
+          <a:prstGeom prst="rect">
+            <a:avLst/>
+          </a:prstGeom>
+        </p:spPr>
+      </p:pic>
+      <p:pic>
+        <p:nvPicPr>
+          <p:cNvPr id="6" name="Picture 5">
+            <a:extLst>
+              <a:ext uri="{FF2B5EF4-FFF2-40B4-BE49-F238E27FC236}">
+                <a16:creationId xmlns:a16="http://schemas.microsoft.com/office/drawing/2014/main" id="{24FDBFB7-F502-4DBF-907C-43788B5D8E9F}"/>
+              </a:ext>
+            </a:extLst>
+          </p:cNvPr>
+          <p:cNvPicPr>
+            <a:picLocks noChangeAspect="1"/>
+          </p:cNvPicPr>
+          <p:nvPr/>
+        </p:nvPicPr>
+        <p:blipFill>
+          <a:blip r:embed="rId4"/>
+          <a:stretch>
+            <a:fillRect/>
+          </a:stretch>
+        </p:blipFill>
+        <p:spPr>
+          <a:xfrm>
+            <a:off x="1377070" y="2311494"/>
+            <a:ext cx="6381750" cy="219075"/>
+          </a:xfrm>
+          <a:prstGeom prst="rect">
+            <a:avLst/>
+          </a:prstGeom>
+        </p:spPr>
+      </p:pic>
+      <p:pic>
+        <p:nvPicPr>
+          <p:cNvPr id="8" name="Picture 7">
+            <a:extLst>
+              <a:ext uri="{FF2B5EF4-FFF2-40B4-BE49-F238E27FC236}">
+                <a16:creationId xmlns:a16="http://schemas.microsoft.com/office/drawing/2014/main" id="{B4D843A0-59E4-414F-AD05-D0F876C3F0F0}"/>
+              </a:ext>
+            </a:extLst>
+          </p:cNvPr>
+          <p:cNvPicPr>
+            <a:picLocks noChangeAspect="1"/>
+          </p:cNvPicPr>
+          <p:nvPr/>
+        </p:nvPicPr>
+        <p:blipFill>
+          <a:blip r:embed="rId5"/>
+          <a:stretch>
+            <a:fillRect/>
+          </a:stretch>
+        </p:blipFill>
+        <p:spPr>
+          <a:xfrm>
+            <a:off x="1219907" y="2706222"/>
+            <a:ext cx="6696075" cy="228600"/>
+          </a:xfrm>
+          <a:prstGeom prst="rect">
+            <a:avLst/>
+          </a:prstGeom>
+        </p:spPr>
+      </p:pic>
+    </p:spTree>
+    <p:extLst>
+      <p:ext uri="{BB962C8B-B14F-4D97-AF65-F5344CB8AC3E}">
+        <p14:creationId xmlns:p14="http://schemas.microsoft.com/office/powerpoint/2010/main" val="2775153126"/>
+      </p:ext>
+    </p:extLst>
+  </p:cSld>
+  <p:clrMapOvr>
+    <a:masterClrMapping/>
+  </p:clrMapOvr>
+</p:sld>
+</file>
+
+<file path=ppt/slides/slide9.xml><?xml version="1.0" encoding="utf-8"?>
 <p:sld xmlns:a="http://schemas.openxmlformats.org/drawingml/2006/main" xmlns:r="http://schemas.openxmlformats.org/officeDocument/2006/relationships" xmlns:p="http://schemas.openxmlformats.org/presentationml/2006/main">
   <p:cSld>
     <p:spTree>
@@ -23571,112 +23902,18 @@
               <a:t>Thankfully, we can do a ton of powerful stuff with just the few bits we will discuss.</a:t>
             </a:r>
           </a:p>
+          <a:p>
+            <a:pPr marL="139700" indent="0">
+              <a:buNone/>
+            </a:pPr>
+            <a:endParaRPr lang="en-US" dirty="0"/>
+          </a:p>
         </p:txBody>
       </p:sp>
     </p:spTree>
     <p:extLst>
       <p:ext uri="{BB962C8B-B14F-4D97-AF65-F5344CB8AC3E}">
         <p14:creationId xmlns:p14="http://schemas.microsoft.com/office/powerpoint/2010/main" val="3990483600"/>
-      </p:ext>
-    </p:extLst>
-  </p:cSld>
-  <p:clrMapOvr>
-    <a:masterClrMapping/>
-  </p:clrMapOvr>
-</p:sld>
-</file>
-
-<file path=ppt/slides/slide8.xml><?xml version="1.0" encoding="utf-8"?>
-<p:sld xmlns:a="http://schemas.openxmlformats.org/drawingml/2006/main" xmlns:r="http://schemas.openxmlformats.org/officeDocument/2006/relationships" xmlns:p="http://schemas.openxmlformats.org/presentationml/2006/main">
-  <p:cSld>
-    <p:spTree>
-      <p:nvGrpSpPr>
-        <p:cNvPr id="1" name=""/>
-        <p:cNvGrpSpPr/>
-        <p:nvPr/>
-      </p:nvGrpSpPr>
-      <p:grpSpPr>
-        <a:xfrm>
-          <a:off x="0" y="0"/>
-          <a:ext cx="0" cy="0"/>
-          <a:chOff x="0" y="0"/>
-          <a:chExt cx="0" cy="0"/>
-        </a:xfrm>
-      </p:grpSpPr>
-      <p:sp>
-        <p:nvSpPr>
-          <p:cNvPr id="2" name="Title 1">
-            <a:extLst>
-              <a:ext uri="{FF2B5EF4-FFF2-40B4-BE49-F238E27FC236}">
-                <a16:creationId xmlns:a16="http://schemas.microsoft.com/office/drawing/2014/main" id="{196AE8AD-6EC1-4ECB-B324-917361D99514}"/>
-              </a:ext>
-            </a:extLst>
-          </p:cNvPr>
-          <p:cNvSpPr>
-            <a:spLocks noGrp="1"/>
-          </p:cNvSpPr>
-          <p:nvPr>
-            <p:ph type="title"/>
-          </p:nvPr>
-        </p:nvSpPr>
-        <p:spPr/>
-        <p:txBody>
-          <a:bodyPr/>
-          <a:lstStyle/>
-          <a:p>
-            <a:r>
-              <a:rPr lang="en-US" dirty="0"/>
-              <a:t>Lab</a:t>
-            </a:r>
-          </a:p>
-        </p:txBody>
-      </p:sp>
-      <p:sp>
-        <p:nvSpPr>
-          <p:cNvPr id="3" name="Text Placeholder 2">
-            <a:extLst>
-              <a:ext uri="{FF2B5EF4-FFF2-40B4-BE49-F238E27FC236}">
-                <a16:creationId xmlns:a16="http://schemas.microsoft.com/office/drawing/2014/main" id="{6E93473F-69BC-4554-9952-D144400ECE2B}"/>
-              </a:ext>
-            </a:extLst>
-          </p:cNvPr>
-          <p:cNvSpPr>
-            <a:spLocks noGrp="1"/>
-          </p:cNvSpPr>
-          <p:nvPr>
-            <p:ph type="body" idx="1"/>
-          </p:nvPr>
-        </p:nvSpPr>
-        <p:spPr/>
-        <p:txBody>
-          <a:bodyPr/>
-          <a:lstStyle/>
-          <a:p>
-            <a:r>
-              <a:rPr lang="en-US" dirty="0"/>
-              <a:t>On canvas there is a zip file containing a fairly interesting folder structure with a single file hidden inside.</a:t>
-            </a:r>
-          </a:p>
-          <a:p>
-            <a:r>
-              <a:rPr lang="en-US" dirty="0"/>
-              <a:t>Your objective is to use file </a:t>
-            </a:r>
-            <a:r>
-              <a:rPr lang="en-US" dirty="0" err="1"/>
-              <a:t>io</a:t>
-            </a:r>
-            <a:r>
-              <a:rPr lang="en-US" dirty="0"/>
-              <a:t> and recursion to find the path of the file.</a:t>
-            </a:r>
-          </a:p>
-        </p:txBody>
-      </p:sp>
-    </p:spTree>
-    <p:extLst>
-      <p:ext uri="{BB962C8B-B14F-4D97-AF65-F5344CB8AC3E}">
-        <p14:creationId xmlns:p14="http://schemas.microsoft.com/office/powerpoint/2010/main" val="1485592930"/>
       </p:ext>
     </p:extLst>
   </p:cSld>
